--- a/AI-ML-Course-Induction-and-General/One/Types_of_Data_Analysis.pptx
+++ b/AI-ML-Course-Induction-and-General/One/Types_of_Data_Analysis.pptx
@@ -290,7 +290,7 @@
             <a:fld id="{6B833EA5-10FA-41C9-A783-888372D786EE}" type="datetimeFigureOut">
               <a:rPr lang="en-US" smtClean="0"/>
               <a:pPr/>
-              <a:t>7/9/2020</a:t>
+              <a:t>6/21/2021</a:t>
             </a:fld>
             <a:endParaRPr lang="en-US"/>
           </a:p>
@@ -457,7 +457,7 @@
             <a:fld id="{6B833EA5-10FA-41C9-A783-888372D786EE}" type="datetimeFigureOut">
               <a:rPr lang="en-US" smtClean="0"/>
               <a:pPr/>
-              <a:t>7/9/2020</a:t>
+              <a:t>6/21/2021</a:t>
             </a:fld>
             <a:endParaRPr lang="en-US"/>
           </a:p>
@@ -634,7 +634,7 @@
             <a:fld id="{6B833EA5-10FA-41C9-A783-888372D786EE}" type="datetimeFigureOut">
               <a:rPr lang="en-US" smtClean="0"/>
               <a:pPr/>
-              <a:t>7/9/2020</a:t>
+              <a:t>6/21/2021</a:t>
             </a:fld>
             <a:endParaRPr lang="en-US"/>
           </a:p>
@@ -801,7 +801,7 @@
             <a:fld id="{6B833EA5-10FA-41C9-A783-888372D786EE}" type="datetimeFigureOut">
               <a:rPr lang="en-US" smtClean="0"/>
               <a:pPr/>
-              <a:t>7/9/2020</a:t>
+              <a:t>6/21/2021</a:t>
             </a:fld>
             <a:endParaRPr lang="en-US"/>
           </a:p>
@@ -1044,7 +1044,7 @@
             <a:fld id="{6B833EA5-10FA-41C9-A783-888372D786EE}" type="datetimeFigureOut">
               <a:rPr lang="en-US" smtClean="0"/>
               <a:pPr/>
-              <a:t>7/9/2020</a:t>
+              <a:t>6/21/2021</a:t>
             </a:fld>
             <a:endParaRPr lang="en-US"/>
           </a:p>
@@ -1329,7 +1329,7 @@
             <a:fld id="{6B833EA5-10FA-41C9-A783-888372D786EE}" type="datetimeFigureOut">
               <a:rPr lang="en-US" smtClean="0"/>
               <a:pPr/>
-              <a:t>7/9/2020</a:t>
+              <a:t>6/21/2021</a:t>
             </a:fld>
             <a:endParaRPr lang="en-US"/>
           </a:p>
@@ -1748,7 +1748,7 @@
             <a:fld id="{6B833EA5-10FA-41C9-A783-888372D786EE}" type="datetimeFigureOut">
               <a:rPr lang="en-US" smtClean="0"/>
               <a:pPr/>
-              <a:t>7/9/2020</a:t>
+              <a:t>6/21/2021</a:t>
             </a:fld>
             <a:endParaRPr lang="en-US"/>
           </a:p>
@@ -1863,7 +1863,7 @@
             <a:fld id="{6B833EA5-10FA-41C9-A783-888372D786EE}" type="datetimeFigureOut">
               <a:rPr lang="en-US" smtClean="0"/>
               <a:pPr/>
-              <a:t>7/9/2020</a:t>
+              <a:t>6/21/2021</a:t>
             </a:fld>
             <a:endParaRPr lang="en-US"/>
           </a:p>
@@ -1955,7 +1955,7 @@
             <a:fld id="{6B833EA5-10FA-41C9-A783-888372D786EE}" type="datetimeFigureOut">
               <a:rPr lang="en-US" smtClean="0"/>
               <a:pPr/>
-              <a:t>7/9/2020</a:t>
+              <a:t>6/21/2021</a:t>
             </a:fld>
             <a:endParaRPr lang="en-US"/>
           </a:p>
@@ -2229,7 +2229,7 @@
             <a:fld id="{6B833EA5-10FA-41C9-A783-888372D786EE}" type="datetimeFigureOut">
               <a:rPr lang="en-US" smtClean="0"/>
               <a:pPr/>
-              <a:t>7/9/2020</a:t>
+              <a:t>6/21/2021</a:t>
             </a:fld>
             <a:endParaRPr lang="en-US"/>
           </a:p>
@@ -2479,7 +2479,7 @@
             <a:fld id="{6B833EA5-10FA-41C9-A783-888372D786EE}" type="datetimeFigureOut">
               <a:rPr lang="en-US" smtClean="0"/>
               <a:pPr/>
-              <a:t>7/9/2020</a:t>
+              <a:t>6/21/2021</a:t>
             </a:fld>
             <a:endParaRPr lang="en-US"/>
           </a:p>
@@ -2689,7 +2689,7 @@
             <a:fld id="{6B833EA5-10FA-41C9-A783-888372D786EE}" type="datetimeFigureOut">
               <a:rPr lang="en-US" smtClean="0"/>
               <a:pPr/>
-              <a:t>7/9/2020</a:t>
+              <a:t>6/21/2021</a:t>
             </a:fld>
             <a:endParaRPr lang="en-US"/>
           </a:p>
@@ -3078,41 +3078,6 @@
             <a:r>
               <a:rPr lang="en-IN" dirty="0" smtClean="0"/>
               <a:t>Types of Data Analysis</a:t>
-            </a:r>
-            <a:endParaRPr lang="en-US" dirty="0"/>
-          </a:p>
-        </p:txBody>
-      </p:sp>
-      <p:sp>
-        <p:nvSpPr>
-          <p:cNvPr id="3" name="Subtitle 2"/>
-          <p:cNvSpPr>
-            <a:spLocks noGrp="1"/>
-          </p:cNvSpPr>
-          <p:nvPr>
-            <p:ph type="subTitle" idx="1"/>
-          </p:nvPr>
-        </p:nvSpPr>
-        <p:spPr/>
-        <p:txBody>
-          <a:bodyPr/>
-          <a:lstStyle/>
-          <a:p>
-            <a:r>
-              <a:rPr lang="en-IN" dirty="0" err="1" smtClean="0"/>
-              <a:t>Gururajan</a:t>
-            </a:r>
-            <a:r>
-              <a:rPr lang="en-IN" dirty="0" smtClean="0"/>
-              <a:t> </a:t>
-            </a:r>
-            <a:r>
-              <a:rPr lang="en-IN" dirty="0" err="1" smtClean="0"/>
-              <a:t>Narasimhan</a:t>
-            </a:r>
-            <a:r>
-              <a:rPr lang="en-IN" dirty="0" smtClean="0"/>
-              <a:t> E</a:t>
             </a:r>
             <a:endParaRPr lang="en-US" dirty="0"/>
           </a:p>
